--- a/EARS Updated Architecture.pptx
+++ b/EARS Updated Architecture.pptx
@@ -7,6 +7,7 @@
   <p:sldIdLst>
     <p:sldId id="256" r:id="rId5"/>
     <p:sldId id="257" r:id="rId6"/>
+    <p:sldId id="258" r:id="rId7"/>
   </p:sldIdLst>
   <p:sldSz cx="12192000" cy="6858000"/>
   <p:notesSz cx="6858000" cy="9144000"/>
@@ -242,7 +243,7 @@
           <a:p>
             <a:fld id="{79306B5F-3F39-41DE-AF4E-ACEE8197806C}" type="datetimeFigureOut">
               <a:rPr lang="en-US" smtClean="0"/>
-              <a:t>2/9/23</a:t>
+              <a:t>2/16/23</a:t>
             </a:fld>
             <a:endParaRPr lang="en-US"/>
           </a:p>
@@ -410,7 +411,7 @@
           <a:p>
             <a:fld id="{79306B5F-3F39-41DE-AF4E-ACEE8197806C}" type="datetimeFigureOut">
               <a:rPr lang="en-US" smtClean="0"/>
-              <a:t>2/9/23</a:t>
+              <a:t>2/16/23</a:t>
             </a:fld>
             <a:endParaRPr lang="en-US"/>
           </a:p>
@@ -588,7 +589,7 @@
           <a:p>
             <a:fld id="{79306B5F-3F39-41DE-AF4E-ACEE8197806C}" type="datetimeFigureOut">
               <a:rPr lang="en-US" smtClean="0"/>
-              <a:t>2/9/23</a:t>
+              <a:t>2/16/23</a:t>
             </a:fld>
             <a:endParaRPr lang="en-US"/>
           </a:p>
@@ -756,7 +757,7 @@
           <a:p>
             <a:fld id="{79306B5F-3F39-41DE-AF4E-ACEE8197806C}" type="datetimeFigureOut">
               <a:rPr lang="en-US" smtClean="0"/>
-              <a:t>2/9/23</a:t>
+              <a:t>2/16/23</a:t>
             </a:fld>
             <a:endParaRPr lang="en-US"/>
           </a:p>
@@ -1001,7 +1002,7 @@
           <a:p>
             <a:fld id="{79306B5F-3F39-41DE-AF4E-ACEE8197806C}" type="datetimeFigureOut">
               <a:rPr lang="en-US" smtClean="0"/>
-              <a:t>2/9/23</a:t>
+              <a:t>2/16/23</a:t>
             </a:fld>
             <a:endParaRPr lang="en-US"/>
           </a:p>
@@ -1230,7 +1231,7 @@
           <a:p>
             <a:fld id="{79306B5F-3F39-41DE-AF4E-ACEE8197806C}" type="datetimeFigureOut">
               <a:rPr lang="en-US" smtClean="0"/>
-              <a:t>2/9/23</a:t>
+              <a:t>2/16/23</a:t>
             </a:fld>
             <a:endParaRPr lang="en-US"/>
           </a:p>
@@ -1594,7 +1595,7 @@
           <a:p>
             <a:fld id="{79306B5F-3F39-41DE-AF4E-ACEE8197806C}" type="datetimeFigureOut">
               <a:rPr lang="en-US" smtClean="0"/>
-              <a:t>2/9/23</a:t>
+              <a:t>2/16/23</a:t>
             </a:fld>
             <a:endParaRPr lang="en-US"/>
           </a:p>
@@ -1711,7 +1712,7 @@
           <a:p>
             <a:fld id="{79306B5F-3F39-41DE-AF4E-ACEE8197806C}" type="datetimeFigureOut">
               <a:rPr lang="en-US" smtClean="0"/>
-              <a:t>2/9/23</a:t>
+              <a:t>2/16/23</a:t>
             </a:fld>
             <a:endParaRPr lang="en-US"/>
           </a:p>
@@ -1806,7 +1807,7 @@
           <a:p>
             <a:fld id="{79306B5F-3F39-41DE-AF4E-ACEE8197806C}" type="datetimeFigureOut">
               <a:rPr lang="en-US" smtClean="0"/>
-              <a:t>2/9/23</a:t>
+              <a:t>2/16/23</a:t>
             </a:fld>
             <a:endParaRPr lang="en-US"/>
           </a:p>
@@ -2081,7 +2082,7 @@
           <a:p>
             <a:fld id="{79306B5F-3F39-41DE-AF4E-ACEE8197806C}" type="datetimeFigureOut">
               <a:rPr lang="en-US" smtClean="0"/>
-              <a:t>2/9/23</a:t>
+              <a:t>2/16/23</a:t>
             </a:fld>
             <a:endParaRPr lang="en-US"/>
           </a:p>
@@ -2333,7 +2334,7 @@
           <a:p>
             <a:fld id="{79306B5F-3F39-41DE-AF4E-ACEE8197806C}" type="datetimeFigureOut">
               <a:rPr lang="en-US" smtClean="0"/>
-              <a:t>2/9/23</a:t>
+              <a:t>2/16/23</a:t>
             </a:fld>
             <a:endParaRPr lang="en-US"/>
           </a:p>
@@ -2544,7 +2545,7 @@
           <a:p>
             <a:fld id="{79306B5F-3F39-41DE-AF4E-ACEE8197806C}" type="datetimeFigureOut">
               <a:rPr lang="en-US" smtClean="0"/>
-              <a:t>2/9/23</a:t>
+              <a:t>2/16/23</a:t>
             </a:fld>
             <a:endParaRPr lang="en-US"/>
           </a:p>
@@ -4508,6 +4509,484 @@
 </p:sld>
 </file>
 
+<file path=ppt/slides/slide3.xml><?xml version="1.0" encoding="utf-8"?>
+<p:sld xmlns:a="http://schemas.openxmlformats.org/drawingml/2006/main" xmlns:r="http://schemas.openxmlformats.org/officeDocument/2006/relationships" xmlns:p="http://schemas.openxmlformats.org/presentationml/2006/main">
+  <p:cSld>
+    <p:spTree>
+      <p:nvGrpSpPr>
+        <p:cNvPr id="1" name=""/>
+        <p:cNvGrpSpPr/>
+        <p:nvPr/>
+      </p:nvGrpSpPr>
+      <p:grpSpPr>
+        <a:xfrm>
+          <a:off x="0" y="0"/>
+          <a:ext cx="0" cy="0"/>
+          <a:chOff x="0" y="0"/>
+          <a:chExt cx="0" cy="0"/>
+        </a:xfrm>
+      </p:grpSpPr>
+      <p:sp>
+        <p:nvSpPr>
+          <p:cNvPr id="4" name="Rectangle 3">
+            <a:extLst>
+              <a:ext uri="{FF2B5EF4-FFF2-40B4-BE49-F238E27FC236}">
+                <a16:creationId xmlns:a16="http://schemas.microsoft.com/office/drawing/2014/main" id="{E19E0D49-FA95-A44C-E9D5-D23268942989}"/>
+              </a:ext>
+            </a:extLst>
+          </p:cNvPr>
+          <p:cNvSpPr/>
+          <p:nvPr/>
+        </p:nvSpPr>
+        <p:spPr>
+          <a:xfrm>
+            <a:off x="4298869" y="546265"/>
+            <a:ext cx="7279574" cy="5118265"/>
+          </a:xfrm>
+          <a:prstGeom prst="rect">
+            <a:avLst/>
+          </a:prstGeom>
+        </p:spPr>
+        <p:style>
+          <a:lnRef idx="2">
+            <a:schemeClr val="accent1">
+              <a:shade val="50000"/>
+            </a:schemeClr>
+          </a:lnRef>
+          <a:fillRef idx="1">
+            <a:schemeClr val="accent1"/>
+          </a:fillRef>
+          <a:effectRef idx="0">
+            <a:schemeClr val="accent1"/>
+          </a:effectRef>
+          <a:fontRef idx="minor">
+            <a:schemeClr val="lt1"/>
+          </a:fontRef>
+        </p:style>
+        <p:txBody>
+          <a:bodyPr rtlCol="0" anchor="ctr"/>
+          <a:lstStyle/>
+          <a:p>
+            <a:pPr algn="ctr"/>
+            <a:r>
+              <a:rPr lang="en-US" dirty="0"/>
+              <a:t>Data plots</a:t>
+            </a:r>
+          </a:p>
+        </p:txBody>
+      </p:sp>
+      <p:sp>
+        <p:nvSpPr>
+          <p:cNvPr id="5" name="Rectangle 4">
+            <a:extLst>
+              <a:ext uri="{FF2B5EF4-FFF2-40B4-BE49-F238E27FC236}">
+                <a16:creationId xmlns:a16="http://schemas.microsoft.com/office/drawing/2014/main" id="{91332C64-F6E8-C61D-10B1-C1089FDDBD0C}"/>
+              </a:ext>
+            </a:extLst>
+          </p:cNvPr>
+          <p:cNvSpPr/>
+          <p:nvPr/>
+        </p:nvSpPr>
+        <p:spPr>
+          <a:xfrm>
+            <a:off x="332510" y="1045028"/>
+            <a:ext cx="2410691" cy="760021"/>
+          </a:xfrm>
+          <a:prstGeom prst="rect">
+            <a:avLst/>
+          </a:prstGeom>
+        </p:spPr>
+        <p:style>
+          <a:lnRef idx="2">
+            <a:schemeClr val="accent1">
+              <a:shade val="50000"/>
+            </a:schemeClr>
+          </a:lnRef>
+          <a:fillRef idx="1">
+            <a:schemeClr val="accent1"/>
+          </a:fillRef>
+          <a:effectRef idx="0">
+            <a:schemeClr val="accent1"/>
+          </a:effectRef>
+          <a:fontRef idx="minor">
+            <a:schemeClr val="lt1"/>
+          </a:fontRef>
+        </p:style>
+        <p:txBody>
+          <a:bodyPr rtlCol="0" anchor="ctr"/>
+          <a:lstStyle/>
+          <a:p>
+            <a:pPr algn="ctr"/>
+            <a:r>
+              <a:rPr lang="en-US" dirty="0"/>
+              <a:t>Start time</a:t>
+            </a:r>
+          </a:p>
+        </p:txBody>
+      </p:sp>
+      <p:sp>
+        <p:nvSpPr>
+          <p:cNvPr id="6" name="Rectangle 5">
+            <a:extLst>
+              <a:ext uri="{FF2B5EF4-FFF2-40B4-BE49-F238E27FC236}">
+                <a16:creationId xmlns:a16="http://schemas.microsoft.com/office/drawing/2014/main" id="{BB346BFF-AF21-9F3E-06D6-1C20F7EC7FB6}"/>
+              </a:ext>
+            </a:extLst>
+          </p:cNvPr>
+          <p:cNvSpPr/>
+          <p:nvPr/>
+        </p:nvSpPr>
+        <p:spPr>
+          <a:xfrm>
+            <a:off x="332509" y="2185060"/>
+            <a:ext cx="2410691" cy="760021"/>
+          </a:xfrm>
+          <a:prstGeom prst="rect">
+            <a:avLst/>
+          </a:prstGeom>
+        </p:spPr>
+        <p:style>
+          <a:lnRef idx="2">
+            <a:schemeClr val="accent1">
+              <a:shade val="50000"/>
+            </a:schemeClr>
+          </a:lnRef>
+          <a:fillRef idx="1">
+            <a:schemeClr val="accent1"/>
+          </a:fillRef>
+          <a:effectRef idx="0">
+            <a:schemeClr val="accent1"/>
+          </a:effectRef>
+          <a:fontRef idx="minor">
+            <a:schemeClr val="lt1"/>
+          </a:fontRef>
+        </p:style>
+        <p:txBody>
+          <a:bodyPr rtlCol="0" anchor="ctr"/>
+          <a:lstStyle/>
+          <a:p>
+            <a:pPr algn="ctr"/>
+            <a:r>
+              <a:rPr lang="en-US" dirty="0"/>
+              <a:t>End time</a:t>
+            </a:r>
+          </a:p>
+        </p:txBody>
+      </p:sp>
+      <p:sp>
+        <p:nvSpPr>
+          <p:cNvPr id="7" name="Oval 6">
+            <a:extLst>
+              <a:ext uri="{FF2B5EF4-FFF2-40B4-BE49-F238E27FC236}">
+                <a16:creationId xmlns:a16="http://schemas.microsoft.com/office/drawing/2014/main" id="{B5B750B2-ADB3-E989-FDC7-231ECF2F1263}"/>
+              </a:ext>
+            </a:extLst>
+          </p:cNvPr>
+          <p:cNvSpPr/>
+          <p:nvPr/>
+        </p:nvSpPr>
+        <p:spPr>
+          <a:xfrm>
+            <a:off x="3253839" y="1175657"/>
+            <a:ext cx="688769" cy="629392"/>
+          </a:xfrm>
+          <a:prstGeom prst="ellipse">
+            <a:avLst/>
+          </a:prstGeom>
+        </p:spPr>
+        <p:style>
+          <a:lnRef idx="2">
+            <a:schemeClr val="accent1">
+              <a:shade val="50000"/>
+            </a:schemeClr>
+          </a:lnRef>
+          <a:fillRef idx="1">
+            <a:schemeClr val="accent1"/>
+          </a:fillRef>
+          <a:effectRef idx="0">
+            <a:schemeClr val="accent1"/>
+          </a:effectRef>
+          <a:fontRef idx="minor">
+            <a:schemeClr val="lt1"/>
+          </a:fontRef>
+        </p:style>
+        <p:txBody>
+          <a:bodyPr rtlCol="0" anchor="ctr"/>
+          <a:lstStyle/>
+          <a:p>
+            <a:pPr algn="ctr"/>
+            <a:endParaRPr lang="en-US"/>
+          </a:p>
+        </p:txBody>
+      </p:sp>
+      <p:sp>
+        <p:nvSpPr>
+          <p:cNvPr id="8" name="Oval 7">
+            <a:extLst>
+              <a:ext uri="{FF2B5EF4-FFF2-40B4-BE49-F238E27FC236}">
+                <a16:creationId xmlns:a16="http://schemas.microsoft.com/office/drawing/2014/main" id="{635DFE6F-A932-110A-2E4D-F3270F35ACCA}"/>
+              </a:ext>
+            </a:extLst>
+          </p:cNvPr>
+          <p:cNvSpPr/>
+          <p:nvPr/>
+        </p:nvSpPr>
+        <p:spPr>
+          <a:xfrm>
+            <a:off x="3253839" y="2219597"/>
+            <a:ext cx="688769" cy="629392"/>
+          </a:xfrm>
+          <a:prstGeom prst="ellipse">
+            <a:avLst/>
+          </a:prstGeom>
+        </p:spPr>
+        <p:style>
+          <a:lnRef idx="2">
+            <a:schemeClr val="accent1">
+              <a:shade val="50000"/>
+            </a:schemeClr>
+          </a:lnRef>
+          <a:fillRef idx="1">
+            <a:schemeClr val="accent1"/>
+          </a:fillRef>
+          <a:effectRef idx="0">
+            <a:schemeClr val="accent1"/>
+          </a:effectRef>
+          <a:fontRef idx="minor">
+            <a:schemeClr val="lt1"/>
+          </a:fontRef>
+        </p:style>
+        <p:txBody>
+          <a:bodyPr rtlCol="0" anchor="ctr"/>
+          <a:lstStyle/>
+          <a:p>
+            <a:pPr algn="ctr"/>
+            <a:endParaRPr lang="en-US"/>
+          </a:p>
+        </p:txBody>
+      </p:sp>
+      <p:graphicFrame>
+        <p:nvGraphicFramePr>
+          <p:cNvPr id="9" name="Table 9">
+            <a:extLst>
+              <a:ext uri="{FF2B5EF4-FFF2-40B4-BE49-F238E27FC236}">
+                <a16:creationId xmlns:a16="http://schemas.microsoft.com/office/drawing/2014/main" id="{04A6F80A-02EE-BB6F-9025-419B3E96568C}"/>
+              </a:ext>
+            </a:extLst>
+          </p:cNvPr>
+          <p:cNvGraphicFramePr>
+            <a:graphicFrameLocks noGrp="1"/>
+          </p:cNvGraphicFramePr>
+          <p:nvPr>
+            <p:extLst>
+              <p:ext uri="{D42A27DB-BD31-4B8C-83A1-F6EECF244321}">
+                <p14:modId xmlns:p14="http://schemas.microsoft.com/office/powerpoint/2010/main" val="716347009"/>
+              </p:ext>
+            </p:extLst>
+          </p:nvPr>
+        </p:nvGraphicFramePr>
+        <p:xfrm>
+          <a:off x="249382" y="3263538"/>
+          <a:ext cx="3788228" cy="1854200"/>
+        </p:xfrm>
+        <a:graphic>
+          <a:graphicData uri="http://schemas.openxmlformats.org/drawingml/2006/table">
+            <a:tbl>
+              <a:tblPr firstRow="1" bandRow="1">
+                <a:tableStyleId>{5C22544A-7EE6-4342-B048-85BDC9FD1C3A}</a:tableStyleId>
+              </a:tblPr>
+              <a:tblGrid>
+                <a:gridCol w="1894114">
+                  <a:extLst>
+                    <a:ext uri="{9D8B030D-6E8A-4147-A177-3AD203B41FA5}">
+                      <a16:colId xmlns:a16="http://schemas.microsoft.com/office/drawing/2014/main" val="1041632220"/>
+                    </a:ext>
+                  </a:extLst>
+                </a:gridCol>
+                <a:gridCol w="1894114">
+                  <a:extLst>
+                    <a:ext uri="{9D8B030D-6E8A-4147-A177-3AD203B41FA5}">
+                      <a16:colId xmlns:a16="http://schemas.microsoft.com/office/drawing/2014/main" val="769748918"/>
+                    </a:ext>
+                  </a:extLst>
+                </a:gridCol>
+              </a:tblGrid>
+              <a:tr h="370840">
+                <a:tc>
+                  <a:txBody>
+                    <a:bodyPr/>
+                    <a:lstStyle/>
+                    <a:p>
+                      <a:r>
+                        <a:rPr lang="en-US" dirty="0"/>
+                        <a:t>Frequency </a:t>
+                      </a:r>
+                      <a:r>
+                        <a:rPr lang="en-US" dirty="0" err="1"/>
+                        <a:t>st</a:t>
+                      </a:r>
+                      <a:endParaRPr lang="en-US" dirty="0"/>
+                    </a:p>
+                  </a:txBody>
+                  <a:tcPr/>
+                </a:tc>
+                <a:tc>
+                  <a:txBody>
+                    <a:bodyPr/>
+                    <a:lstStyle/>
+                    <a:p>
+                      <a:endParaRPr lang="en-US"/>
+                    </a:p>
+                  </a:txBody>
+                  <a:tcPr/>
+                </a:tc>
+                <a:extLst>
+                  <a:ext uri="{0D108BD9-81ED-4DB2-BD59-A6C34878D82A}">
+                    <a16:rowId xmlns:a16="http://schemas.microsoft.com/office/drawing/2014/main" val="1047977377"/>
+                  </a:ext>
+                </a:extLst>
+              </a:tr>
+              <a:tr h="370840">
+                <a:tc>
+                  <a:txBody>
+                    <a:bodyPr/>
+                    <a:lstStyle/>
+                    <a:p>
+                      <a:r>
+                        <a:rPr lang="en-US" dirty="0" err="1"/>
+                        <a:t>freq</a:t>
+                      </a:r>
+                      <a:r>
+                        <a:rPr lang="en-US" dirty="0"/>
+                        <a:t> end</a:t>
+                      </a:r>
+                    </a:p>
+                  </a:txBody>
+                  <a:tcPr/>
+                </a:tc>
+                <a:tc>
+                  <a:txBody>
+                    <a:bodyPr/>
+                    <a:lstStyle/>
+                    <a:p>
+                      <a:endParaRPr lang="en-US"/>
+                    </a:p>
+                  </a:txBody>
+                  <a:tcPr/>
+                </a:tc>
+                <a:extLst>
+                  <a:ext uri="{0D108BD9-81ED-4DB2-BD59-A6C34878D82A}">
+                    <a16:rowId xmlns:a16="http://schemas.microsoft.com/office/drawing/2014/main" val="967426690"/>
+                  </a:ext>
+                </a:extLst>
+              </a:tr>
+              <a:tr h="370840">
+                <a:tc>
+                  <a:txBody>
+                    <a:bodyPr/>
+                    <a:lstStyle/>
+                    <a:p>
+                      <a:r>
+                        <a:rPr lang="en-US" dirty="0"/>
+                        <a:t>Sim</a:t>
+                      </a:r>
+                    </a:p>
+                  </a:txBody>
+                  <a:tcPr/>
+                </a:tc>
+                <a:tc>
+                  <a:txBody>
+                    <a:bodyPr/>
+                    <a:lstStyle/>
+                    <a:p>
+                      <a:endParaRPr lang="en-US" dirty="0"/>
+                    </a:p>
+                  </a:txBody>
+                  <a:tcPr/>
+                </a:tc>
+                <a:extLst>
+                  <a:ext uri="{0D108BD9-81ED-4DB2-BD59-A6C34878D82A}">
+                    <a16:rowId xmlns:a16="http://schemas.microsoft.com/office/drawing/2014/main" val="2059432624"/>
+                  </a:ext>
+                </a:extLst>
+              </a:tr>
+              <a:tr h="370840">
+                <a:tc>
+                  <a:txBody>
+                    <a:bodyPr/>
+                    <a:lstStyle/>
+                    <a:p>
+                      <a:r>
+                        <a:rPr lang="en-US" dirty="0"/>
+                        <a:t>Power max</a:t>
+                      </a:r>
+                    </a:p>
+                  </a:txBody>
+                  <a:tcPr/>
+                </a:tc>
+                <a:tc>
+                  <a:txBody>
+                    <a:bodyPr/>
+                    <a:lstStyle/>
+                    <a:p>
+                      <a:endParaRPr lang="en-US" dirty="0"/>
+                    </a:p>
+                  </a:txBody>
+                  <a:tcPr/>
+                </a:tc>
+                <a:extLst>
+                  <a:ext uri="{0D108BD9-81ED-4DB2-BD59-A6C34878D82A}">
+                    <a16:rowId xmlns:a16="http://schemas.microsoft.com/office/drawing/2014/main" val="1250489785"/>
+                  </a:ext>
+                </a:extLst>
+              </a:tr>
+              <a:tr h="370840">
+                <a:tc>
+                  <a:txBody>
+                    <a:bodyPr/>
+                    <a:lstStyle/>
+                    <a:p>
+                      <a:r>
+                        <a:rPr lang="en-US" dirty="0"/>
+                        <a:t>Power min</a:t>
+                      </a:r>
+                    </a:p>
+                  </a:txBody>
+                  <a:tcPr/>
+                </a:tc>
+                <a:tc>
+                  <a:txBody>
+                    <a:bodyPr/>
+                    <a:lstStyle/>
+                    <a:p>
+                      <a:endParaRPr lang="en-US" dirty="0"/>
+                    </a:p>
+                  </a:txBody>
+                  <a:tcPr/>
+                </a:tc>
+                <a:extLst>
+                  <a:ext uri="{0D108BD9-81ED-4DB2-BD59-A6C34878D82A}">
+                    <a16:rowId xmlns:a16="http://schemas.microsoft.com/office/drawing/2014/main" val="3696559503"/>
+                  </a:ext>
+                </a:extLst>
+              </a:tr>
+            </a:tbl>
+          </a:graphicData>
+        </a:graphic>
+      </p:graphicFrame>
+    </p:spTree>
+    <p:extLst>
+      <p:ext uri="{BB962C8B-B14F-4D97-AF65-F5344CB8AC3E}">
+        <p14:creationId xmlns:p14="http://schemas.microsoft.com/office/powerpoint/2010/main" val="536521503"/>
+      </p:ext>
+    </p:extLst>
+  </p:cSld>
+  <p:clrMapOvr>
+    <a:masterClrMapping/>
+  </p:clrMapOvr>
+</p:sld>
+</file>
+
 <file path=ppt/theme/theme1.xml><?xml version="1.0" encoding="utf-8"?>
 <a:theme xmlns:a="http://schemas.openxmlformats.org/drawingml/2006/main" name="Office Theme">
   <a:themeElements>
@@ -4770,23 +5249,6 @@
 </file>
 
 <file path=customXml/item1.xml><?xml version="1.0" encoding="utf-8"?>
-<p:properties xmlns:p="http://schemas.microsoft.com/office/2006/metadata/properties" xmlns:xsi="http://www.w3.org/2001/XMLSchema-instance" xmlns:pc="http://schemas.microsoft.com/office/infopath/2007/PartnerControls">
-  <documentManagement>
-    <_activity xmlns="6c87124a-c474-4200-b556-fe5cc38f1441" xsi:nil="true"/>
-  </documentManagement>
-</p:properties>
-</file>
-
-<file path=customXml/item2.xml><?xml version="1.0" encoding="utf-8"?>
-<?mso-contentType ?>
-<FormTemplates xmlns="http://schemas.microsoft.com/sharepoint/v3/contenttype/forms">
-  <Display>DocumentLibraryForm</Display>
-  <Edit>DocumentLibraryForm</Edit>
-  <New>DocumentLibraryForm</New>
-</FormTemplates>
-</file>
-
-<file path=customXml/item3.xml><?xml version="1.0" encoding="utf-8"?>
 <ct:contentTypeSchema xmlns:ct="http://schemas.microsoft.com/office/2006/metadata/contentType" xmlns:ma="http://schemas.microsoft.com/office/2006/metadata/properties/metaAttributes" ct:_="" ma:_="" ma:contentTypeName="Document" ma:contentTypeID="0x010100B572B170992505419D9E00DE274F89E2" ma:contentTypeVersion="12" ma:contentTypeDescription="Create a new document." ma:contentTypeScope="" ma:versionID="ca95d1cb63f79d0ee1aa92fe0985b0fa">
   <xsd:schema xmlns:xsd="http://www.w3.org/2001/XMLSchema" xmlns:xs="http://www.w3.org/2001/XMLSchema" xmlns:p="http://schemas.microsoft.com/office/2006/metadata/properties" xmlns:ns3="6c87124a-c474-4200-b556-fe5cc38f1441" xmlns:ns4="ff9022e4-f2e0-41f2-a766-00994e90f676" targetNamespace="http://schemas.microsoft.com/office/2006/metadata/properties" ma:root="true" ma:fieldsID="e72405ee184b6fd2a0b37ebe00ab6787" ns3:_="" ns4:_="">
     <xsd:import namespace="6c87124a-c474-4200-b556-fe5cc38f1441"/>
@@ -5001,32 +5463,24 @@
 </ct:contentTypeSchema>
 </file>
 
-<file path=customXml/itemProps1.xml><?xml version="1.0" encoding="utf-8"?>
-<ds:datastoreItem xmlns:ds="http://schemas.openxmlformats.org/officeDocument/2006/customXml" ds:itemID="{E18DE122-06EA-4FA9-92CC-927E0838CA8D}">
-  <ds:schemaRefs>
-    <ds:schemaRef ds:uri="http://purl.org/dc/elements/1.1/"/>
-    <ds:schemaRef ds:uri="http://purl.org/dc/dcmitype/"/>
-    <ds:schemaRef ds:uri="ff9022e4-f2e0-41f2-a766-00994e90f676"/>
-    <ds:schemaRef ds:uri="http://schemas.microsoft.com/office/infopath/2007/PartnerControls"/>
-    <ds:schemaRef ds:uri="6c87124a-c474-4200-b556-fe5cc38f1441"/>
-    <ds:schemaRef ds:uri="http://schemas.microsoft.com/office/2006/documentManagement/types"/>
-    <ds:schemaRef ds:uri="http://schemas.openxmlformats.org/package/2006/metadata/core-properties"/>
-    <ds:schemaRef ds:uri="http://schemas.microsoft.com/office/2006/metadata/properties"/>
-    <ds:schemaRef ds:uri="http://www.w3.org/XML/1998/namespace"/>
-    <ds:schemaRef ds:uri="http://purl.org/dc/terms/"/>
-  </ds:schemaRefs>
-</ds:datastoreItem>
+<file path=customXml/item2.xml><?xml version="1.0" encoding="utf-8"?>
+<?mso-contentType ?>
+<FormTemplates xmlns="http://schemas.microsoft.com/sharepoint/v3/contenttype/forms">
+  <Display>DocumentLibraryForm</Display>
+  <Edit>DocumentLibraryForm</Edit>
+  <New>DocumentLibraryForm</New>
+</FormTemplates>
 </file>
 
-<file path=customXml/itemProps2.xml><?xml version="1.0" encoding="utf-8"?>
-<ds:datastoreItem xmlns:ds="http://schemas.openxmlformats.org/officeDocument/2006/customXml" ds:itemID="{BC9BE29C-2ACF-4DAD-A342-66FA285A0C43}">
-  <ds:schemaRefs>
-    <ds:schemaRef ds:uri="http://schemas.microsoft.com/sharepoint/v3/contenttype/forms"/>
-  </ds:schemaRefs>
-</ds:datastoreItem>
+<file path=customXml/item3.xml><?xml version="1.0" encoding="utf-8"?>
+<p:properties xmlns:p="http://schemas.microsoft.com/office/2006/metadata/properties" xmlns:xsi="http://www.w3.org/2001/XMLSchema-instance" xmlns:pc="http://schemas.microsoft.com/office/infopath/2007/PartnerControls">
+  <documentManagement>
+    <_activity xmlns="6c87124a-c474-4200-b556-fe5cc38f1441" xsi:nil="true"/>
+  </documentManagement>
+</p:properties>
 </file>
 
-<file path=customXml/itemProps3.xml><?xml version="1.0" encoding="utf-8"?>
+<file path=customXml/itemProps1.xml><?xml version="1.0" encoding="utf-8"?>
 <ds:datastoreItem xmlns:ds="http://schemas.openxmlformats.org/officeDocument/2006/customXml" ds:itemID="{2A7FEB5C-F838-43D4-B594-3DB3208750A1}">
   <ds:schemaRefs>
     <ds:schemaRef ds:uri="http://schemas.microsoft.com/office/2006/metadata/contentType"/>
@@ -5043,4 +5497,29 @@
     <ds:schemaRef ds:uri="http://schemas.microsoft.com/internal/obd"/>
   </ds:schemaRefs>
 </ds:datastoreItem>
+</file>
+
+<file path=customXml/itemProps2.xml><?xml version="1.0" encoding="utf-8"?>
+<ds:datastoreItem xmlns:ds="http://schemas.openxmlformats.org/officeDocument/2006/customXml" ds:itemID="{BC9BE29C-2ACF-4DAD-A342-66FA285A0C43}">
+  <ds:schemaRefs>
+    <ds:schemaRef ds:uri="http://schemas.microsoft.com/sharepoint/v3/contenttype/forms"/>
+  </ds:schemaRefs>
+</ds:datastoreItem>
+</file>
+
+<file path=customXml/itemProps3.xml><?xml version="1.0" encoding="utf-8"?>
+<ds:datastoreItem xmlns:ds="http://schemas.openxmlformats.org/officeDocument/2006/customXml" ds:itemID="{E18DE122-06EA-4FA9-92CC-927E0838CA8D}">
+  <ds:schemaRefs>
+    <ds:schemaRef ds:uri="http://purl.org/dc/elements/1.1/"/>
+    <ds:schemaRef ds:uri="http://purl.org/dc/dcmitype/"/>
+    <ds:schemaRef ds:uri="ff9022e4-f2e0-41f2-a766-00994e90f676"/>
+    <ds:schemaRef ds:uri="http://schemas.microsoft.com/office/infopath/2007/PartnerControls"/>
+    <ds:schemaRef ds:uri="6c87124a-c474-4200-b556-fe5cc38f1441"/>
+    <ds:schemaRef ds:uri="http://schemas.microsoft.com/office/2006/documentManagement/types"/>
+    <ds:schemaRef ds:uri="http://schemas.openxmlformats.org/package/2006/metadata/core-properties"/>
+    <ds:schemaRef ds:uri="http://schemas.microsoft.com/office/2006/metadata/properties"/>
+    <ds:schemaRef ds:uri="http://www.w3.org/XML/1998/namespace"/>
+    <ds:schemaRef ds:uri="http://purl.org/dc/terms/"/>
+  </ds:schemaRefs>
+</ds:datastoreItem>
 </file>